--- a/Cross_sell_prediction.pptx
+++ b/Cross_sell_prediction.pptx
@@ -26,6 +26,7 @@
     <p:sldId id="282" r:id="rId20"/>
     <p:sldId id="281" r:id="rId21"/>
     <p:sldId id="277" r:id="rId22"/>
+    <p:sldId id="283" r:id="rId23"/>
   </p:sldIdLst>
   <p:sldSz cx="12192000" cy="6858000"/>
   <p:notesSz cx="6858000" cy="9144000"/>
@@ -136,8 +137,233 @@
 <p1510:revInfo xmlns:a="http://schemas.openxmlformats.org/drawingml/2006/main" xmlns:r="http://schemas.openxmlformats.org/officeDocument/2006/relationships" xmlns:p1510="http://schemas.microsoft.com/office/powerpoint/2015/10/main">
   <p1510:revLst>
     <p1510:client id="{0FABB7E1-314C-4678-9A4B-7071AD77FF1E}" v="113" dt="2024-12-01T14:19:52.473"/>
+    <p1510:client id="{1B0332E9-113B-401E-8ABA-CE079E8E8062}" v="42" dt="2024-12-01T15:00:09.384"/>
   </p1510:revLst>
 </p1510:revInfo>
+</file>
+
+<file path=ppt/changesInfos/changesInfo1.xml><?xml version="1.0" encoding="utf-8"?>
+<pc:chgInfo xmlns:a="http://schemas.openxmlformats.org/drawingml/2006/main" xmlns:r="http://schemas.openxmlformats.org/officeDocument/2006/relationships" xmlns:ac="http://schemas.microsoft.com/office/drawing/2013/main/command" xmlns:pc="http://schemas.microsoft.com/office/powerpoint/2013/main/command">
+  <pc:docChgLst>
+    <pc:chgData name="Infant Prasanna" userId="ee4b938f479992cd" providerId="LiveId" clId="{1B0332E9-113B-401E-8ABA-CE079E8E8062}"/>
+    <pc:docChg chg="undo custSel addSld modSld">
+      <pc:chgData name="Infant Prasanna" userId="ee4b938f479992cd" providerId="LiveId" clId="{1B0332E9-113B-401E-8ABA-CE079E8E8062}" dt="2024-12-01T15:00:18.462" v="93" actId="1076"/>
+      <pc:docMkLst>
+        <pc:docMk/>
+      </pc:docMkLst>
+      <pc:sldChg chg="modTransition">
+        <pc:chgData name="Infant Prasanna" userId="ee4b938f479992cd" providerId="LiveId" clId="{1B0332E9-113B-401E-8ABA-CE079E8E8062}" dt="2024-12-01T14:37:35.413" v="5"/>
+        <pc:sldMkLst>
+          <pc:docMk/>
+          <pc:sldMk cId="3808292857" sldId="256"/>
+        </pc:sldMkLst>
+      </pc:sldChg>
+      <pc:sldChg chg="modTransition">
+        <pc:chgData name="Infant Prasanna" userId="ee4b938f479992cd" providerId="LiveId" clId="{1B0332E9-113B-401E-8ABA-CE079E8E8062}" dt="2024-12-01T14:37:40.169" v="8"/>
+        <pc:sldMkLst>
+          <pc:docMk/>
+          <pc:sldMk cId="1516679151" sldId="257"/>
+        </pc:sldMkLst>
+      </pc:sldChg>
+      <pc:sldChg chg="modTransition">
+        <pc:chgData name="Infant Prasanna" userId="ee4b938f479992cd" providerId="LiveId" clId="{1B0332E9-113B-401E-8ABA-CE079E8E8062}" dt="2024-12-01T14:37:37.358" v="6"/>
+        <pc:sldMkLst>
+          <pc:docMk/>
+          <pc:sldMk cId="3832286549" sldId="258"/>
+        </pc:sldMkLst>
+      </pc:sldChg>
+      <pc:sldChg chg="modTransition">
+        <pc:chgData name="Infant Prasanna" userId="ee4b938f479992cd" providerId="LiveId" clId="{1B0332E9-113B-401E-8ABA-CE079E8E8062}" dt="2024-12-01T14:37:41.866" v="9"/>
+        <pc:sldMkLst>
+          <pc:docMk/>
+          <pc:sldMk cId="521344710" sldId="260"/>
+        </pc:sldMkLst>
+      </pc:sldChg>
+      <pc:sldChg chg="modTransition">
+        <pc:chgData name="Infant Prasanna" userId="ee4b938f479992cd" providerId="LiveId" clId="{1B0332E9-113B-401E-8ABA-CE079E8E8062}" dt="2024-12-01T14:37:44.657" v="10"/>
+        <pc:sldMkLst>
+          <pc:docMk/>
+          <pc:sldMk cId="186056435" sldId="261"/>
+        </pc:sldMkLst>
+      </pc:sldChg>
+      <pc:sldChg chg="modTransition">
+        <pc:chgData name="Infant Prasanna" userId="ee4b938f479992cd" providerId="LiveId" clId="{1B0332E9-113B-401E-8ABA-CE079E8E8062}" dt="2024-12-01T14:37:46.108" v="11"/>
+        <pc:sldMkLst>
+          <pc:docMk/>
+          <pc:sldMk cId="191946888" sldId="262"/>
+        </pc:sldMkLst>
+      </pc:sldChg>
+      <pc:sldChg chg="modTransition">
+        <pc:chgData name="Infant Prasanna" userId="ee4b938f479992cd" providerId="LiveId" clId="{1B0332E9-113B-401E-8ABA-CE079E8E8062}" dt="2024-12-01T14:37:52.381" v="15"/>
+        <pc:sldMkLst>
+          <pc:docMk/>
+          <pc:sldMk cId="2814685009" sldId="263"/>
+        </pc:sldMkLst>
+      </pc:sldChg>
+      <pc:sldChg chg="modSp mod modTransition">
+        <pc:chgData name="Infant Prasanna" userId="ee4b938f479992cd" providerId="LiveId" clId="{1B0332E9-113B-401E-8ABA-CE079E8E8062}" dt="2024-12-01T14:51:58.008" v="55"/>
+        <pc:sldMkLst>
+          <pc:docMk/>
+          <pc:sldMk cId="2611669868" sldId="264"/>
+        </pc:sldMkLst>
+        <pc:spChg chg="mod">
+          <ac:chgData name="Infant Prasanna" userId="ee4b938f479992cd" providerId="LiveId" clId="{1B0332E9-113B-401E-8ABA-CE079E8E8062}" dt="2024-12-01T14:50:45.069" v="27" actId="1076"/>
+          <ac:spMkLst>
+            <pc:docMk/>
+            <pc:sldMk cId="2611669868" sldId="264"/>
+            <ac:spMk id="2" creationId="{BF10D727-8F04-6AF2-EEC5-2964F67B026F}"/>
+          </ac:spMkLst>
+        </pc:spChg>
+        <pc:graphicFrameChg chg="mod modGraphic">
+          <ac:chgData name="Infant Prasanna" userId="ee4b938f479992cd" providerId="LiveId" clId="{1B0332E9-113B-401E-8ABA-CE079E8E8062}" dt="2024-12-01T14:51:58.008" v="55"/>
+          <ac:graphicFrameMkLst>
+            <pc:docMk/>
+            <pc:sldMk cId="2611669868" sldId="264"/>
+            <ac:graphicFrameMk id="6" creationId="{9B78B549-275B-29DC-D225-9552ADED5F77}"/>
+          </ac:graphicFrameMkLst>
+        </pc:graphicFrameChg>
+      </pc:sldChg>
+      <pc:sldChg chg="modTransition">
+        <pc:chgData name="Infant Prasanna" userId="ee4b938f479992cd" providerId="LiveId" clId="{1B0332E9-113B-401E-8ABA-CE079E8E8062}" dt="2024-12-01T14:37:47.595" v="12"/>
+        <pc:sldMkLst>
+          <pc:docMk/>
+          <pc:sldMk cId="3035475138" sldId="265"/>
+        </pc:sldMkLst>
+      </pc:sldChg>
+      <pc:sldChg chg="modTransition">
+        <pc:chgData name="Infant Prasanna" userId="ee4b938f479992cd" providerId="LiveId" clId="{1B0332E9-113B-401E-8ABA-CE079E8E8062}" dt="2024-12-01T14:37:49.308" v="13"/>
+        <pc:sldMkLst>
+          <pc:docMk/>
+          <pc:sldMk cId="1262803122" sldId="266"/>
+        </pc:sldMkLst>
+      </pc:sldChg>
+      <pc:sldChg chg="modTransition">
+        <pc:chgData name="Infant Prasanna" userId="ee4b938f479992cd" providerId="LiveId" clId="{1B0332E9-113B-401E-8ABA-CE079E8E8062}" dt="2024-12-01T14:37:50.774" v="14"/>
+        <pc:sldMkLst>
+          <pc:docMk/>
+          <pc:sldMk cId="1358192280" sldId="267"/>
+        </pc:sldMkLst>
+      </pc:sldChg>
+      <pc:sldChg chg="modTransition">
+        <pc:chgData name="Infant Prasanna" userId="ee4b938f479992cd" providerId="LiveId" clId="{1B0332E9-113B-401E-8ABA-CE079E8E8062}" dt="2024-12-01T14:37:56.156" v="16"/>
+        <pc:sldMkLst>
+          <pc:docMk/>
+          <pc:sldMk cId="3192334316" sldId="269"/>
+        </pc:sldMkLst>
+      </pc:sldChg>
+      <pc:sldChg chg="modTransition">
+        <pc:chgData name="Infant Prasanna" userId="ee4b938f479992cd" providerId="LiveId" clId="{1B0332E9-113B-401E-8ABA-CE079E8E8062}" dt="2024-12-01T14:37:59.677" v="17"/>
+        <pc:sldMkLst>
+          <pc:docMk/>
+          <pc:sldMk cId="1252465209" sldId="271"/>
+        </pc:sldMkLst>
+      </pc:sldChg>
+      <pc:sldChg chg="modSp mod modTransition">
+        <pc:chgData name="Infant Prasanna" userId="ee4b938f479992cd" providerId="LiveId" clId="{1B0332E9-113B-401E-8ABA-CE079E8E8062}" dt="2024-12-01T14:54:53.492" v="58" actId="5793"/>
+        <pc:sldMkLst>
+          <pc:docMk/>
+          <pc:sldMk cId="2723290038" sldId="272"/>
+        </pc:sldMkLst>
+        <pc:spChg chg="mod">
+          <ac:chgData name="Infant Prasanna" userId="ee4b938f479992cd" providerId="LiveId" clId="{1B0332E9-113B-401E-8ABA-CE079E8E8062}" dt="2024-12-01T14:54:53.492" v="58" actId="5793"/>
+          <ac:spMkLst>
+            <pc:docMk/>
+            <pc:sldMk cId="2723290038" sldId="272"/>
+            <ac:spMk id="7" creationId="{1F7D536B-82CC-1D24-2B12-2C72F789989E}"/>
+          </ac:spMkLst>
+        </pc:spChg>
+      </pc:sldChg>
+      <pc:sldChg chg="modTransition">
+        <pc:chgData name="Infant Prasanna" userId="ee4b938f479992cd" providerId="LiveId" clId="{1B0332E9-113B-401E-8ABA-CE079E8E8062}" dt="2024-12-01T14:38:04.686" v="20"/>
+        <pc:sldMkLst>
+          <pc:docMk/>
+          <pc:sldMk cId="3088431304" sldId="273"/>
+        </pc:sldMkLst>
+      </pc:sldChg>
+      <pc:sldChg chg="modTransition">
+        <pc:chgData name="Infant Prasanna" userId="ee4b938f479992cd" providerId="LiveId" clId="{1B0332E9-113B-401E-8ABA-CE079E8E8062}" dt="2024-12-01T14:38:06.468" v="21"/>
+        <pc:sldMkLst>
+          <pc:docMk/>
+          <pc:sldMk cId="586880664" sldId="274"/>
+        </pc:sldMkLst>
+      </pc:sldChg>
+      <pc:sldChg chg="modTransition">
+        <pc:chgData name="Infant Prasanna" userId="ee4b938f479992cd" providerId="LiveId" clId="{1B0332E9-113B-401E-8ABA-CE079E8E8062}" dt="2024-12-01T14:38:15.536" v="26"/>
+        <pc:sldMkLst>
+          <pc:docMk/>
+          <pc:sldMk cId="3562474002" sldId="277"/>
+        </pc:sldMkLst>
+      </pc:sldChg>
+      <pc:sldChg chg="modTransition">
+        <pc:chgData name="Infant Prasanna" userId="ee4b938f479992cd" providerId="LiveId" clId="{1B0332E9-113B-401E-8ABA-CE079E8E8062}" dt="2024-12-01T14:38:08.187" v="22"/>
+        <pc:sldMkLst>
+          <pc:docMk/>
+          <pc:sldMk cId="1365918550" sldId="279"/>
+        </pc:sldMkLst>
+      </pc:sldChg>
+      <pc:sldChg chg="modTransition">
+        <pc:chgData name="Infant Prasanna" userId="ee4b938f479992cd" providerId="LiveId" clId="{1B0332E9-113B-401E-8ABA-CE079E8E8062}" dt="2024-12-01T14:38:09.984" v="23"/>
+        <pc:sldMkLst>
+          <pc:docMk/>
+          <pc:sldMk cId="1850402068" sldId="280"/>
+        </pc:sldMkLst>
+      </pc:sldChg>
+      <pc:sldChg chg="modTransition">
+        <pc:chgData name="Infant Prasanna" userId="ee4b938f479992cd" providerId="LiveId" clId="{1B0332E9-113B-401E-8ABA-CE079E8E8062}" dt="2024-12-01T14:38:13.364" v="25"/>
+        <pc:sldMkLst>
+          <pc:docMk/>
+          <pc:sldMk cId="1010498521" sldId="281"/>
+        </pc:sldMkLst>
+      </pc:sldChg>
+      <pc:sldChg chg="modTransition">
+        <pc:chgData name="Infant Prasanna" userId="ee4b938f479992cd" providerId="LiveId" clId="{1B0332E9-113B-401E-8ABA-CE079E8E8062}" dt="2024-12-01T14:38:11.597" v="24"/>
+        <pc:sldMkLst>
+          <pc:docMk/>
+          <pc:sldMk cId="2683211491" sldId="282"/>
+        </pc:sldMkLst>
+      </pc:sldChg>
+      <pc:sldChg chg="addSp delSp modSp new mod">
+        <pc:chgData name="Infant Prasanna" userId="ee4b938f479992cd" providerId="LiveId" clId="{1B0332E9-113B-401E-8ABA-CE079E8E8062}" dt="2024-12-01T15:00:18.462" v="93" actId="1076"/>
+        <pc:sldMkLst>
+          <pc:docMk/>
+          <pc:sldMk cId="4065966887" sldId="283"/>
+        </pc:sldMkLst>
+        <pc:spChg chg="del">
+          <ac:chgData name="Infant Prasanna" userId="ee4b938f479992cd" providerId="LiveId" clId="{1B0332E9-113B-401E-8ABA-CE079E8E8062}" dt="2024-12-01T14:58:12.460" v="73" actId="478"/>
+          <ac:spMkLst>
+            <pc:docMk/>
+            <pc:sldMk cId="4065966887" sldId="283"/>
+            <ac:spMk id="2" creationId="{EBF19309-3C33-49DC-D5CC-FE9FEE79F357}"/>
+          </ac:spMkLst>
+        </pc:spChg>
+        <pc:spChg chg="del mod">
+          <ac:chgData name="Infant Prasanna" userId="ee4b938f479992cd" providerId="LiveId" clId="{1B0332E9-113B-401E-8ABA-CE079E8E8062}" dt="2024-12-01T14:59:15.865" v="79" actId="478"/>
+          <ac:spMkLst>
+            <pc:docMk/>
+            <pc:sldMk cId="4065966887" sldId="283"/>
+            <ac:spMk id="3" creationId="{089E03D7-90A4-786B-4345-024105F0E3CE}"/>
+          </ac:spMkLst>
+        </pc:spChg>
+        <pc:spChg chg="add mod">
+          <ac:chgData name="Infant Prasanna" userId="ee4b938f479992cd" providerId="LiveId" clId="{1B0332E9-113B-401E-8ABA-CE079E8E8062}" dt="2024-12-01T15:00:18.462" v="93" actId="1076"/>
+          <ac:spMkLst>
+            <pc:docMk/>
+            <pc:sldMk cId="4065966887" sldId="283"/>
+            <ac:spMk id="4" creationId="{0F8423D0-EE17-F66E-DFFA-C9EECE2DD6F4}"/>
+          </ac:spMkLst>
+        </pc:spChg>
+        <pc:spChg chg="add del mod">
+          <ac:chgData name="Infant Prasanna" userId="ee4b938f479992cd" providerId="LiveId" clId="{1B0332E9-113B-401E-8ABA-CE079E8E8062}" dt="2024-12-01T15:00:14.791" v="92" actId="478"/>
+          <ac:spMkLst>
+            <pc:docMk/>
+            <pc:sldMk cId="4065966887" sldId="283"/>
+            <ac:spMk id="7" creationId="{C38DE6C1-EBB9-F9DF-C184-6ED9AD1CFBF1}"/>
+          </ac:spMkLst>
+        </pc:spChg>
+      </pc:sldChg>
+    </pc:docChg>
+  </pc:docChgLst>
+</pc:chgInfo>
 </file>
 
 <file path=ppt/slideLayouts/slideLayout1.xml><?xml version="1.0" encoding="utf-8"?>
@@ -5868,6 +6094,9 @@
   <p:clrMapOvr>
     <a:masterClrMapping/>
   </p:clrMapOvr>
+  <p:transition spd="slow">
+    <p:wipe/>
+  </p:transition>
 </p:sld>
 </file>
 
@@ -6067,6 +6296,9 @@
   <p:clrMapOvr>
     <a:masterClrMapping/>
   </p:clrMapOvr>
+  <p:transition spd="slow">
+    <p:wipe/>
+  </p:transition>
 </p:sld>
 </file>
 
@@ -6238,6 +6470,9 @@
   <p:clrMapOvr>
     <a:masterClrMapping/>
   </p:clrMapOvr>
+  <p:transition spd="slow">
+    <p:wipe/>
+  </p:transition>
 </p:sld>
 </file>
 
@@ -6425,6 +6660,9 @@
   <p:clrMapOvr>
     <a:masterClrMapping/>
   </p:clrMapOvr>
+  <p:transition spd="slow">
+    <p:wipe/>
+  </p:transition>
 </p:sld>
 </file>
 
@@ -6598,6 +6836,9 @@
   <p:clrMapOvr>
     <a:masterClrMapping/>
   </p:clrMapOvr>
+  <p:transition spd="slow">
+    <p:wipe/>
+  </p:transition>
 </p:sld>
 </file>
 
@@ -6696,20 +6937,6 @@
                 <a:ea typeface="Calibri" panose="020F0502020204030204" pitchFamily="34" charset="0"/>
                 <a:cs typeface="Calibri" panose="020F0502020204030204" pitchFamily="34" charset="0"/>
               </a:rPr>
-              <a:t>Logistic Regression</a:t>
-            </a:r>
-          </a:p>
-          <a:p>
-            <a:pPr>
-              <a:buFont typeface="Arial" panose="020B0604020202020204" pitchFamily="34" charset="0"/>
-              <a:buChar char="•"/>
-            </a:pPr>
-            <a:r>
-              <a:rPr lang="en-US" dirty="0">
-                <a:latin typeface="Calibri" panose="020F0502020204030204" pitchFamily="34" charset="0"/>
-                <a:ea typeface="Calibri" panose="020F0502020204030204" pitchFamily="34" charset="0"/>
-                <a:cs typeface="Calibri" panose="020F0502020204030204" pitchFamily="34" charset="0"/>
-              </a:rPr>
               <a:t>Decision Tree</a:t>
             </a:r>
           </a:p>
@@ -6829,6 +7056,9 @@
   <p:clrMapOvr>
     <a:masterClrMapping/>
   </p:clrMapOvr>
+  <p:transition spd="slow">
+    <p:wipe/>
+  </p:transition>
 </p:sld>
 </file>
 
@@ -6945,6 +7175,9 @@
   <p:clrMapOvr>
     <a:masterClrMapping/>
   </p:clrMapOvr>
+  <p:transition spd="slow">
+    <p:wipe/>
+  </p:transition>
 </p:sld>
 </file>
 
@@ -7572,6 +7805,9 @@
   <p:clrMapOvr>
     <a:masterClrMapping/>
   </p:clrMapOvr>
+  <p:transition spd="slow">
+    <p:wipe/>
+  </p:transition>
 </p:sld>
 </file>
 
@@ -8167,6 +8403,9 @@
   <p:clrMapOvr>
     <a:masterClrMapping/>
   </p:clrMapOvr>
+  <p:transition spd="slow">
+    <p:wipe/>
+  </p:transition>
 </p:sld>
 </file>
 
@@ -8809,6 +9048,9 @@
   <p:clrMapOvr>
     <a:masterClrMapping/>
   </p:clrMapOvr>
+  <p:transition spd="slow">
+    <p:wipe/>
+  </p:transition>
 </p:sld>
 </file>
 
@@ -9181,6 +9423,9 @@
   <p:clrMapOvr>
     <a:masterClrMapping/>
   </p:clrMapOvr>
+  <p:transition spd="slow">
+    <p:wipe/>
+  </p:transition>
 </p:sld>
 </file>
 
@@ -9341,6 +9586,9 @@
   <p:clrMapOvr>
     <a:masterClrMapping/>
   </p:clrMapOvr>
+  <p:transition spd="slow">
+    <p:wipe/>
+  </p:transition>
 </p:sld>
 </file>
 
@@ -10524,6 +10772,9 @@
   <p:clrMapOvr>
     <a:masterClrMapping/>
   </p:clrMapOvr>
+  <p:transition spd="slow">
+    <p:wipe/>
+  </p:transition>
 </p:sld>
 </file>
 
@@ -10788,6 +11039,125 @@
     <p:extLst>
       <p:ext uri="{BB962C8B-B14F-4D97-AF65-F5344CB8AC3E}">
         <p14:creationId xmlns:p14="http://schemas.microsoft.com/office/powerpoint/2010/main" val="3562474002"/>
+      </p:ext>
+    </p:extLst>
+  </p:cSld>
+  <p:clrMapOvr>
+    <a:masterClrMapping/>
+  </p:clrMapOvr>
+  <p:transition spd="slow">
+    <p:wipe/>
+  </p:transition>
+</p:sld>
+</file>
+
+<file path=ppt/slides/slide22.xml><?xml version="1.0" encoding="utf-8"?>
+<p:sld xmlns:a="http://schemas.openxmlformats.org/drawingml/2006/main" xmlns:r="http://schemas.openxmlformats.org/officeDocument/2006/relationships" xmlns:p="http://schemas.openxmlformats.org/presentationml/2006/main">
+  <p:cSld>
+    <p:spTree>
+      <p:nvGrpSpPr>
+        <p:cNvPr id="1" name=""/>
+        <p:cNvGrpSpPr/>
+        <p:nvPr/>
+      </p:nvGrpSpPr>
+      <p:grpSpPr>
+        <a:xfrm>
+          <a:off x="0" y="0"/>
+          <a:ext cx="0" cy="0"/>
+          <a:chOff x="0" y="0"/>
+          <a:chExt cx="0" cy="0"/>
+        </a:xfrm>
+      </p:grpSpPr>
+      <p:sp>
+        <p:nvSpPr>
+          <p:cNvPr id="4" name="Rectangle 3">
+            <a:extLst>
+              <a:ext uri="{FF2B5EF4-FFF2-40B4-BE49-F238E27FC236}">
+                <a16:creationId xmlns:a16="http://schemas.microsoft.com/office/drawing/2014/main" id="{0F8423D0-EE17-F66E-DFFA-C9EECE2DD6F4}"/>
+              </a:ext>
+            </a:extLst>
+          </p:cNvPr>
+          <p:cNvSpPr/>
+          <p:nvPr/>
+        </p:nvSpPr>
+        <p:spPr>
+          <a:xfrm>
+            <a:off x="1571049" y="1276477"/>
+            <a:ext cx="8646910" cy="1834937"/>
+          </a:xfrm>
+          <a:prstGeom prst="rect">
+            <a:avLst/>
+          </a:prstGeom>
+          <a:noFill/>
+        </p:spPr>
+        <p:txBody>
+          <a:bodyPr wrap="none" lIns="91440" tIns="45720" rIns="91440" bIns="45720">
+            <a:prstTxWarp prst="textArchDown">
+              <a:avLst/>
+            </a:prstTxWarp>
+            <a:spAutoFit/>
+          </a:bodyPr>
+          <a:lstStyle/>
+          <a:p>
+            <a:pPr algn="ctr"/>
+            <a:r>
+              <a:rPr lang="en-US" sz="8000" b="1" cap="none" spc="0" dirty="0">
+                <a:ln w="22225">
+                  <a:solidFill>
+                    <a:schemeClr val="accent2"/>
+                  </a:solidFill>
+                  <a:prstDash val="solid"/>
+                </a:ln>
+                <a:solidFill>
+                  <a:schemeClr val="accent2">
+                    <a:lumMod val="40000"/>
+                    <a:lumOff val="60000"/>
+                  </a:schemeClr>
+                </a:solidFill>
+                <a:effectLst/>
+              </a:rPr>
+              <a:t>Thank you</a:t>
+            </a:r>
+            <a:endParaRPr lang="en-IN" sz="8000" b="1" cap="none" spc="0" dirty="0">
+              <a:ln w="22225">
+                <a:solidFill>
+                  <a:schemeClr val="accent2"/>
+                </a:solidFill>
+                <a:prstDash val="solid"/>
+              </a:ln>
+              <a:solidFill>
+                <a:schemeClr val="accent2">
+                  <a:lumMod val="40000"/>
+                  <a:lumOff val="60000"/>
+                </a:schemeClr>
+              </a:solidFill>
+              <a:effectLst/>
+            </a:endParaRPr>
+          </a:p>
+          <a:p>
+            <a:pPr algn="ctr"/>
+            <a:endParaRPr lang="en-IN" sz="5400" b="1" cap="none" spc="0" dirty="0">
+              <a:ln w="22225">
+                <a:solidFill>
+                  <a:schemeClr val="accent2"/>
+                </a:solidFill>
+                <a:prstDash val="solid"/>
+              </a:ln>
+              <a:solidFill>
+                <a:schemeClr val="accent2">
+                  <a:lumMod val="40000"/>
+                  <a:lumOff val="60000"/>
+                </a:schemeClr>
+              </a:solidFill>
+              <a:effectLst/>
+            </a:endParaRPr>
+          </a:p>
+        </p:txBody>
+      </p:sp>
+    </p:spTree>
+    <p:extLst>
+      <p:ext uri="{BB962C8B-B14F-4D97-AF65-F5344CB8AC3E}">
+        <p14:creationId xmlns:p14="http://schemas.microsoft.com/office/powerpoint/2010/main" val="4065966887"/>
       </p:ext>
     </p:extLst>
   </p:cSld>
@@ -10832,7 +11202,7 @@
         </p:nvSpPr>
         <p:spPr>
           <a:xfrm>
-            <a:off x="2262994" y="86264"/>
+            <a:off x="2262994" y="8361"/>
             <a:ext cx="8610600" cy="776880"/>
           </a:xfrm>
         </p:spPr>
@@ -10863,14 +11233,14 @@
             <p:ph idx="1"/>
             <p:extLst>
               <p:ext uri="{D42A27DB-BD31-4B8C-83A1-F6EECF244321}">
-                <p14:modId xmlns:p14="http://schemas.microsoft.com/office/powerpoint/2010/main" val="1876124481"/>
+                <p14:modId xmlns:p14="http://schemas.microsoft.com/office/powerpoint/2010/main" val="854304044"/>
               </p:ext>
             </p:extLst>
           </p:nvPr>
         </p:nvGraphicFramePr>
         <p:xfrm>
-          <a:off x="166777" y="686972"/>
-          <a:ext cx="11720423" cy="6370320"/>
+          <a:off x="166777" y="640965"/>
+          <a:ext cx="11927457" cy="6101280"/>
         </p:xfrm>
         <a:graphic>
           <a:graphicData uri="http://schemas.openxmlformats.org/drawingml/2006/table">
@@ -10879,14 +11249,14 @@
                 <a:tableStyleId>{5C22544A-7EE6-4342-B048-85BDC9FD1C3A}</a:tableStyleId>
               </a:tblPr>
               <a:tblGrid>
-                <a:gridCol w="2468085">
+                <a:gridCol w="2511682">
                   <a:extLst>
                     <a:ext uri="{9D8B030D-6E8A-4147-A177-3AD203B41FA5}">
                       <a16:colId xmlns:a16="http://schemas.microsoft.com/office/drawing/2014/main" val="194488920"/>
                     </a:ext>
                   </a:extLst>
                 </a:gridCol>
-                <a:gridCol w="9252338">
+                <a:gridCol w="9415775">
                   <a:extLst>
                     <a:ext uri="{9D8B030D-6E8A-4147-A177-3AD203B41FA5}">
                       <a16:colId xmlns:a16="http://schemas.microsoft.com/office/drawing/2014/main" val="2744879869"/>
@@ -10894,7 +11264,7 @@
                   </a:extLst>
                 </a:gridCol>
               </a:tblGrid>
-              <a:tr h="402006">
+              <a:tr h="419535">
                 <a:tc>
                   <a:txBody>
                     <a:bodyPr/>
@@ -10941,7 +11311,7 @@
                   </a:ext>
                 </a:extLst>
               </a:tr>
-              <a:tr h="402006">
+              <a:tr h="419535">
                 <a:tc>
                   <a:txBody>
                     <a:bodyPr/>
@@ -10999,7 +11369,7 @@
                   </a:ext>
                 </a:extLst>
               </a:tr>
-              <a:tr h="402006">
+              <a:tr h="419535">
                 <a:tc>
                   <a:txBody>
                     <a:bodyPr/>
@@ -11046,7 +11416,7 @@
                   </a:ext>
                 </a:extLst>
               </a:tr>
-              <a:tr h="660438">
+              <a:tr h="432000">
                 <a:tc>
                   <a:txBody>
                     <a:bodyPr/>
@@ -11054,24 +11424,25 @@
                     <a:p>
                       <a:pPr fontAlgn="b"/>
                       <a:r>
-                        <a:rPr lang="en-IN" b="0" i="0" u="none" strike="noStrike" dirty="0">
+                        <a:rPr lang="en-US" b="0" i="0" u="none" strike="noStrike" dirty="0">
                           <a:solidFill>
                             <a:srgbClr val="000000"/>
                           </a:solidFill>
                           <a:effectLst/>
                           <a:latin typeface="Calibri" panose="020F0502020204030204" pitchFamily="34" charset="0"/>
                         </a:rPr>
-                        <a:t>Age</a:t>
+                        <a:t>A</a:t>
                       </a:r>
-                      <a:br>
-                        <a:rPr lang="en-IN" b="0" i="0" u="none" strike="noStrike" dirty="0">
+                      <a:r>
+                        <a:rPr lang="en-IN" b="0" i="0" u="none" strike="noStrike" dirty="0" err="1">
                           <a:solidFill>
                             <a:srgbClr val="000000"/>
                           </a:solidFill>
                           <a:effectLst/>
                           <a:latin typeface="Calibri" panose="020F0502020204030204" pitchFamily="34" charset="0"/>
                         </a:rPr>
-                      </a:br>
+                        <a:t>ge</a:t>
+                      </a:r>
                       <a:endParaRPr lang="en-IN" b="0" i="0" u="none" strike="noStrike" dirty="0">
                         <a:solidFill>
                           <a:srgbClr val="000000"/>
@@ -11116,16 +11487,6 @@
                         <a:t>Age of the customer</a:t>
                       </a:r>
                     </a:p>
-                    <a:p>
-                      <a:pPr fontAlgn="b"/>
-                      <a:endParaRPr lang="en-IN" b="0" i="0" u="none" strike="noStrike" dirty="0">
-                        <a:solidFill>
-                          <a:srgbClr val="000000"/>
-                        </a:solidFill>
-                        <a:effectLst/>
-                        <a:latin typeface="Calibri" panose="020F0502020204030204" pitchFamily="34" charset="0"/>
-                      </a:endParaRPr>
-                    </a:p>
                   </a:txBody>
                   <a:tcPr marL="76200" marR="76200" marT="76200" marB="76200" anchor="b"/>
                 </a:tc>
@@ -11135,7 +11496,7 @@
                   </a:ext>
                 </a:extLst>
               </a:tr>
-              <a:tr h="402006">
+              <a:tr h="419535">
                 <a:tc>
                   <a:txBody>
                     <a:bodyPr/>
@@ -11182,7 +11543,7 @@
                   </a:ext>
                 </a:extLst>
               </a:tr>
-              <a:tr h="402006">
+              <a:tr h="419535">
                 <a:tc>
                   <a:txBody>
                     <a:bodyPr/>
@@ -11229,7 +11590,7 @@
                   </a:ext>
                 </a:extLst>
               </a:tr>
-              <a:tr h="402006">
+              <a:tr h="419535">
                 <a:tc>
                   <a:txBody>
                     <a:bodyPr/>
@@ -11276,7 +11637,7 @@
                   </a:ext>
                 </a:extLst>
               </a:tr>
-              <a:tr h="402006">
+              <a:tr h="419535">
                 <a:tc>
                   <a:txBody>
                     <a:bodyPr/>
@@ -11330,7 +11691,7 @@
                   </a:ext>
                 </a:extLst>
               </a:tr>
-              <a:tr h="660438">
+              <a:tr h="689236">
                 <a:tc>
                   <a:txBody>
                     <a:bodyPr/>
@@ -11378,7 +11739,7 @@
                         </a:lnSpc>
                       </a:pPr>
                       <a:r>
-                        <a:rPr lang="en-US" b="0" i="0" u="none" strike="noStrike">
+                        <a:rPr lang="en-US" b="0" i="0" u="none" strike="noStrike" dirty="0">
                           <a:solidFill>
                             <a:srgbClr val="000000"/>
                           </a:solidFill>
@@ -11388,7 +11749,7 @@
                         <a:t>1 : Customer got his/her vehicle damaged in the past.</a:t>
                       </a:r>
                       <a:br>
-                        <a:rPr lang="en-US" b="0" i="0" u="none" strike="noStrike">
+                        <a:rPr lang="en-US" b="0" i="0" u="none" strike="noStrike" dirty="0">
                           <a:solidFill>
                             <a:srgbClr val="000000"/>
                           </a:solidFill>
@@ -11397,7 +11758,7 @@
                         </a:rPr>
                       </a:br>
                       <a:r>
-                        <a:rPr lang="en-US" b="0" i="0" u="none" strike="noStrike">
+                        <a:rPr lang="en-US" b="0" i="0" u="none" strike="noStrike" dirty="0">
                           <a:solidFill>
                             <a:srgbClr val="000000"/>
                           </a:solidFill>
@@ -11416,7 +11777,7 @@
                   </a:ext>
                 </a:extLst>
               </a:tr>
-              <a:tr h="402006">
+              <a:tr h="419535">
                 <a:tc>
                   <a:txBody>
                     <a:bodyPr/>
@@ -11463,7 +11824,7 @@
                   </a:ext>
                 </a:extLst>
               </a:tr>
-              <a:tr h="660438">
+              <a:tr h="689236">
                 <a:tc>
                   <a:txBody>
                     <a:bodyPr/>
@@ -11540,7 +11901,7 @@
                   </a:ext>
                 </a:extLst>
               </a:tr>
-              <a:tr h="402006">
+              <a:tr h="419535">
                 <a:tc>
                   <a:txBody>
                     <a:bodyPr/>
@@ -11587,7 +11948,7 @@
                   </a:ext>
                 </a:extLst>
               </a:tr>
-              <a:tr h="402006">
+              <a:tr h="419535">
                 <a:tc>
                   <a:txBody>
                     <a:bodyPr/>
@@ -11648,6 +12009,9 @@
   <p:clrMapOvr>
     <a:masterClrMapping/>
   </p:clrMapOvr>
+  <p:transition spd="slow">
+    <p:wipe/>
+  </p:transition>
 </p:sld>
 </file>
 
@@ -12148,6 +12512,9 @@
   <p:clrMapOvr>
     <a:masterClrMapping/>
   </p:clrMapOvr>
+  <p:transition spd="slow">
+    <p:wipe/>
+  </p:transition>
 </p:sld>
 </file>
 
@@ -12344,6 +12711,9 @@
   <p:clrMapOvr>
     <a:masterClrMapping/>
   </p:clrMapOvr>
+  <p:transition spd="slow">
+    <p:wipe/>
+  </p:transition>
 </p:sld>
 </file>
 
@@ -12562,6 +12932,9 @@
   <p:clrMapOvr>
     <a:masterClrMapping/>
   </p:clrMapOvr>
+  <p:transition spd="slow">
+    <p:wipe/>
+  </p:transition>
 </p:sld>
 </file>
 
@@ -12657,6 +13030,9 @@
   <p:clrMapOvr>
     <a:masterClrMapping/>
   </p:clrMapOvr>
+  <p:transition spd="slow">
+    <p:wipe/>
+  </p:transition>
 </p:sld>
 </file>
 
@@ -12760,6 +13136,9 @@
   <p:clrMapOvr>
     <a:masterClrMapping/>
   </p:clrMapOvr>
+  <p:transition spd="slow">
+    <p:wipe/>
+  </p:transition>
 </p:sld>
 </file>
 
@@ -12863,6 +13242,9 @@
   <p:clrMapOvr>
     <a:masterClrMapping/>
   </p:clrMapOvr>
+  <p:transition spd="slow">
+    <p:wipe/>
+  </p:transition>
 </p:sld>
 </file>
 

--- a/Cross_sell_prediction.pptx
+++ b/Cross_sell_prediction.pptx
@@ -137,7 +137,7 @@
 <p1510:revInfo xmlns:a="http://schemas.openxmlformats.org/drawingml/2006/main" xmlns:r="http://schemas.openxmlformats.org/officeDocument/2006/relationships" xmlns:p1510="http://schemas.microsoft.com/office/powerpoint/2015/10/main">
   <p1510:revLst>
     <p1510:client id="{0FABB7E1-314C-4678-9A4B-7071AD77FF1E}" v="113" dt="2024-12-01T14:19:52.473"/>
-    <p1510:client id="{1B0332E9-113B-401E-8ABA-CE079E8E8062}" v="42" dt="2024-12-01T15:00:09.384"/>
+    <p1510:client id="{1B0332E9-113B-401E-8ABA-CE079E8E8062}" v="45" dt="2024-12-01T15:20:03.422"/>
   </p1510:revLst>
 </p1510:revInfo>
 </file>
@@ -147,7 +147,7 @@
   <pc:docChgLst>
     <pc:chgData name="Infant Prasanna" userId="ee4b938f479992cd" providerId="LiveId" clId="{1B0332E9-113B-401E-8ABA-CE079E8E8062}"/>
     <pc:docChg chg="undo custSel addSld modSld">
-      <pc:chgData name="Infant Prasanna" userId="ee4b938f479992cd" providerId="LiveId" clId="{1B0332E9-113B-401E-8ABA-CE079E8E8062}" dt="2024-12-01T15:00:18.462" v="93" actId="1076"/>
+      <pc:chgData name="Infant Prasanna" userId="ee4b938f479992cd" providerId="LiveId" clId="{1B0332E9-113B-401E-8ABA-CE079E8E8062}" dt="2024-12-01T15:20:07.397" v="107" actId="20577"/>
       <pc:docMkLst>
         <pc:docMk/>
       </pc:docMkLst>
@@ -287,12 +287,28 @@
           <pc:sldMk cId="586880664" sldId="274"/>
         </pc:sldMkLst>
       </pc:sldChg>
-      <pc:sldChg chg="modTransition">
-        <pc:chgData name="Infant Prasanna" userId="ee4b938f479992cd" providerId="LiveId" clId="{1B0332E9-113B-401E-8ABA-CE079E8E8062}" dt="2024-12-01T14:38:15.536" v="26"/>
+      <pc:sldChg chg="addSp delSp modSp mod modTransition">
+        <pc:chgData name="Infant Prasanna" userId="ee4b938f479992cd" providerId="LiveId" clId="{1B0332E9-113B-401E-8ABA-CE079E8E8062}" dt="2024-12-01T15:19:38.308" v="104" actId="20577"/>
         <pc:sldMkLst>
           <pc:docMk/>
           <pc:sldMk cId="3562474002" sldId="277"/>
         </pc:sldMkLst>
+        <pc:spChg chg="mod">
+          <ac:chgData name="Infant Prasanna" userId="ee4b938f479992cd" providerId="LiveId" clId="{1B0332E9-113B-401E-8ABA-CE079E8E8062}" dt="2024-12-01T15:19:38.308" v="104" actId="20577"/>
+          <ac:spMkLst>
+            <pc:docMk/>
+            <pc:sldMk cId="3562474002" sldId="277"/>
+            <ac:spMk id="3" creationId="{1822705A-5973-082D-8B74-6FBA93DC0E6D}"/>
+          </ac:spMkLst>
+        </pc:spChg>
+        <pc:spChg chg="add del">
+          <ac:chgData name="Infant Prasanna" userId="ee4b938f479992cd" providerId="LiveId" clId="{1B0332E9-113B-401E-8ABA-CE079E8E8062}" dt="2024-12-01T15:18:57.599" v="95" actId="478"/>
+          <ac:spMkLst>
+            <pc:docMk/>
+            <pc:sldMk cId="3562474002" sldId="277"/>
+            <ac:spMk id="4" creationId="{04F25D72-1335-5D07-4BAD-CCDFE181722E}"/>
+          </ac:spMkLst>
+        </pc:spChg>
       </pc:sldChg>
       <pc:sldChg chg="modTransition">
         <pc:chgData name="Infant Prasanna" userId="ee4b938f479992cd" providerId="LiveId" clId="{1B0332E9-113B-401E-8ABA-CE079E8E8062}" dt="2024-12-01T14:38:08.187" v="22"/>
@@ -315,12 +331,20 @@
           <pc:sldMk cId="1010498521" sldId="281"/>
         </pc:sldMkLst>
       </pc:sldChg>
-      <pc:sldChg chg="modTransition">
-        <pc:chgData name="Infant Prasanna" userId="ee4b938f479992cd" providerId="LiveId" clId="{1B0332E9-113B-401E-8ABA-CE079E8E8062}" dt="2024-12-01T14:38:11.597" v="24"/>
+      <pc:sldChg chg="modSp mod modTransition">
+        <pc:chgData name="Infant Prasanna" userId="ee4b938f479992cd" providerId="LiveId" clId="{1B0332E9-113B-401E-8ABA-CE079E8E8062}" dt="2024-12-01T15:20:07.397" v="107" actId="20577"/>
         <pc:sldMkLst>
           <pc:docMk/>
           <pc:sldMk cId="2683211491" sldId="282"/>
         </pc:sldMkLst>
+        <pc:spChg chg="mod">
+          <ac:chgData name="Infant Prasanna" userId="ee4b938f479992cd" providerId="LiveId" clId="{1B0332E9-113B-401E-8ABA-CE079E8E8062}" dt="2024-12-01T15:20:07.397" v="107" actId="20577"/>
+          <ac:spMkLst>
+            <pc:docMk/>
+            <pc:sldMk cId="2683211491" sldId="282"/>
+            <ac:spMk id="3" creationId="{304F5ACB-050A-EAC6-5DF0-CDEF0E24C028}"/>
+          </ac:spMkLst>
+        </pc:spChg>
       </pc:sldChg>
       <pc:sldChg chg="addSp delSp modSp new mod">
         <pc:chgData name="Infant Prasanna" userId="ee4b938f479992cd" providerId="LiveId" clId="{1B0332E9-113B-401E-8ABA-CE079E8E8062}" dt="2024-12-01T15:00:18.462" v="93" actId="1076"/>
@@ -9397,6 +9421,28 @@
             <a:pPr marL="0" indent="0" algn="l">
               <a:buNone/>
             </a:pPr>
+            <a:r>
+              <a:rPr lang="en-US" b="0" i="0">
+                <a:solidFill>
+                  <a:srgbClr val="0D0D0D"/>
+                </a:solidFill>
+                <a:effectLst/>
+                <a:latin typeface="ui-sans-serif"/>
+                <a:hlinkClick r:id="rId2"/>
+              </a:rPr>
+              <a:t>https</a:t>
+            </a:r>
+            <a:r>
+              <a:rPr lang="en-US" b="0" i="0" dirty="0">
+                <a:solidFill>
+                  <a:srgbClr val="0D0D0D"/>
+                </a:solidFill>
+                <a:effectLst/>
+                <a:latin typeface="ui-sans-serif"/>
+                <a:hlinkClick r:id="rId2"/>
+              </a:rPr>
+              <a:t>://github.com/Gayathrigopi98/cross-sell-model.git</a:t>
+            </a:r>
             <a:endParaRPr lang="en-US" b="0" i="0" dirty="0">
               <a:solidFill>
                 <a:srgbClr val="0D0D0D"/>
@@ -11005,28 +11051,42 @@
             </a:endParaRPr>
           </a:p>
           <a:p>
-            <a:pPr marL="0" indent="0">
-              <a:buNone/>
+            <a:pPr marL="0" marR="0" lvl="0" indent="0" algn="l" defTabSz="914400" rtl="0" eaLnBrk="0" fontAlgn="base" latinLnBrk="0" hangingPunct="0">
+              <a:lnSpc>
+                <a:spcPct val="100000"/>
+              </a:lnSpc>
+              <a:spcBef>
+                <a:spcPct val="0"/>
+              </a:spcBef>
+              <a:spcAft>
+                <a:spcPct val="0"/>
+              </a:spcAft>
+              <a:buClrTx/>
+              <a:buSzTx/>
+              <a:buFontTx/>
+              <a:buNone/>
+              <a:tabLst/>
             </a:pPr>
             <a:r>
-              <a:rPr lang="en-US" b="0" i="0" dirty="0">
-                <a:solidFill>
-                  <a:srgbClr val="0D0D0D"/>
+              <a:rPr kumimoji="0" lang="en-US" altLang="en-US" b="0" i="0" u="none" strike="noStrike" cap="none" normalizeH="0" baseline="0" dirty="0">
+                <a:ln>
+                  <a:noFill/>
+                </a:ln>
+                <a:solidFill>
+                  <a:schemeClr val="tx1"/>
                 </a:solidFill>
                 <a:effectLst/>
                 <a:latin typeface="Calibri" panose="020F0502020204030204" pitchFamily="34" charset="0"/>
                 <a:ea typeface="Calibri" panose="020F0502020204030204" pitchFamily="34" charset="0"/>
                 <a:cs typeface="Calibri" panose="020F0502020204030204" pitchFamily="34" charset="0"/>
               </a:rPr>
-              <a:t>This solution offers a significant step toward improving the company's operational efficiency and revenue generation.</a:t>
-            </a:r>
-            <a:endParaRPr lang="en-US" dirty="0">
-              <a:latin typeface="Calibri" panose="020F0502020204030204" pitchFamily="34" charset="0"/>
-              <a:ea typeface="Calibri" panose="020F0502020204030204" pitchFamily="34" charset="0"/>
-              <a:cs typeface="Calibri" panose="020F0502020204030204" pitchFamily="34" charset="0"/>
-            </a:endParaRPr>
-          </a:p>
-          <a:p>
+              <a:t>This solution helps to improve the company's efficiency and boost revenue.</a:t>
+            </a:r>
+          </a:p>
+          <a:p>
+            <a:pPr marL="0" indent="0">
+              <a:buNone/>
+            </a:pPr>
             <a:endParaRPr lang="en-IN" dirty="0">
               <a:latin typeface="Calibri" panose="020F0502020204030204" pitchFamily="34" charset="0"/>
               <a:ea typeface="Calibri" panose="020F0502020204030204" pitchFamily="34" charset="0"/>
